--- a/Lessons/Lesson-4/Advanced Prompting Techniques.pptx
+++ b/Lessons/Lesson-4/Advanced Prompting Techniques.pptx
@@ -222,7 +222,7 @@
           <a:p>
             <a:fld id="{1A9CCF9A-981A-5249-97D4-A6A8CB76D112}" type="datetimeFigureOut">
               <a:rPr lang="en-US" smtClean="0"/>
-              <a:t>12/19/24</a:t>
+              <a:t>1/9/25</a:t>
             </a:fld>
             <a:endParaRPr lang="en-US"/>
           </a:p>
@@ -7037,15 +7037,12 @@
               </a:rPr>
               <a:t>specific to a problem type</a:t>
             </a:r>
-            <a:r>
-              <a:rPr lang="en-GB" sz="2800" dirty="0">
-                <a:solidFill>
-                  <a:schemeClr val="tx1"/>
-                </a:solidFill>
-                <a:latin typeface="+mn-lt"/>
-              </a:rPr>
-              <a:t>.</a:t>
-            </a:r>
+            <a:endParaRPr lang="en-GB" sz="2800" dirty="0">
+              <a:solidFill>
+                <a:schemeClr val="tx1"/>
+              </a:solidFill>
+              <a:latin typeface="+mn-lt"/>
+            </a:endParaRPr>
           </a:p>
           <a:p>
             <a:r>
@@ -7086,7 +7083,7 @@
                 </a:solidFill>
                 <a:latin typeface="+mn-lt"/>
               </a:rPr>
-              <a:t>, with lower performance.</a:t>
+              <a:t>, with lower performance</a:t>
             </a:r>
           </a:p>
           <a:p>
@@ -7731,7 +7728,7 @@
             </a:r>
             <a:r>
               <a:rPr lang="en-DE"/>
-              <a:t> instructions.</a:t>
+              <a:t> instructions</a:t>
             </a:r>
           </a:p>
           <a:p>
@@ -7746,7 +7743,7 @@
             </a:r>
             <a:r>
               <a:rPr lang="en-DE"/>
-              <a:t> (one/few-shot prompting).</a:t>
+              <a:t> (one/few-shot prompting)</a:t>
             </a:r>
           </a:p>
           <a:p>
@@ -7761,7 +7758,7 @@
             </a:r>
             <a:r>
               <a:rPr lang="en-DE"/>
-              <a:t> (CoT prompting).</a:t>
+              <a:t> (CoT prompting)</a:t>
             </a:r>
             <a:endParaRPr lang="en-DE" u="sng"/>
           </a:p>
@@ -7896,7 +7893,7 @@
               <a:t> prompting techniques are often not enough</a:t>
             </a:r>
             <a:r>
-              <a:rPr lang="en-DE" sz="2400">
+              <a:rPr lang="en-US" sz="2400" b="1" dirty="0">
                 <a:solidFill>
                   <a:schemeClr val="accent6"/>
                 </a:solidFill>
@@ -7921,7 +7918,7 @@
             </a:r>
             <a:r>
               <a:rPr lang="en-GB" sz="2000" dirty="0"/>
-              <a:t>of most LLMs to be occupied with exemplars.</a:t>
+              <a:t>of most LLMs to be occupied with exemplars</a:t>
             </a:r>
           </a:p>
           <a:p>
@@ -7944,7 +7941,7 @@
             </a:r>
             <a:r>
               <a:rPr lang="en-GB" sz="2000" dirty="0"/>
-              <a:t>and can give rise to both correct and incorrect answers.</a:t>
+              <a:t>and can give rise to both correct and incorrect answers</a:t>
             </a:r>
           </a:p>
           <a:p>
@@ -7963,7 +7960,7 @@
             </a:r>
             <a:r>
               <a:rPr lang="en-GB" sz="2000" dirty="0"/>
-              <a:t> into providing harmful output if safeguards aren’t put in place.</a:t>
+              <a:t> into providing harmful output if safeguards aren’t put in place</a:t>
             </a:r>
             <a:endParaRPr lang="en-DE" sz="2000"/>
           </a:p>
@@ -8186,19 +8183,6 @@
               </a:rPr>
               <a:t>word by word</a:t>
             </a:r>
-            <a:r>
-              <a:rPr lang="en-GB" sz="2400" dirty="0">
-                <a:solidFill>
-                  <a:schemeClr val="accent6"/>
-                </a:solidFill>
-              </a:rPr>
-              <a:t>.</a:t>
-            </a:r>
-            <a:endParaRPr lang="en-GB" sz="2400" b="1" dirty="0">
-              <a:solidFill>
-                <a:schemeClr val="accent6"/>
-              </a:solidFill>
-            </a:endParaRPr>
           </a:p>
           <a:p>
             <a:r>
@@ -8211,7 +8195,7 @@
             </a:r>
             <a:r>
               <a:rPr lang="en-GB" sz="2400" dirty="0"/>
-              <a:t> assigned to every possible token in their vocabulary via a probability distribution.</a:t>
+              <a:t> assigned to every possible token in their vocabulary via a probability distribution</a:t>
             </a:r>
           </a:p>
           <a:p>
@@ -8225,7 +8209,7 @@
             </a:r>
             <a:r>
               <a:rPr lang="en-GB" sz="2400" dirty="0"/>
-              <a:t> is the process of turning the logits coming from the probability distributions generated by the model into actual text. </a:t>
+              <a:t> is the process of turning the logits coming from the probability distributions generated by the model into actual text </a:t>
             </a:r>
             <a:endParaRPr lang="en-DE" sz="2400"/>
           </a:p>
@@ -9890,7 +9874,7 @@
             </a:r>
             <a:r>
               <a:rPr lang="en-DE" sz="2400"/>
-              <a:t> prompting.</a:t>
+              <a:t> prompting</a:t>
             </a:r>
           </a:p>
           <a:p>
@@ -9936,13 +9920,13 @@
             </a:r>
             <a:r>
               <a:rPr lang="en-GB" sz="2400" dirty="0"/>
-              <a:t> of the responses.</a:t>
+              <a:t> of the responses</a:t>
             </a:r>
           </a:p>
           <a:p>
             <a:r>
               <a:rPr lang="en-DE" sz="2400"/>
-              <a:t>Model gains the ability to explore multiple possibilities for the elicited reasoning chain and helps boost performance on arithmetic and common-sense reasoning tasks.</a:t>
+              <a:t>Model gains the ability to explore multiple possibilities for the elicited reasoning chain and helps boost performance on arithmetic and common-sense reasoning tasks</a:t>
             </a:r>
           </a:p>
           <a:p>
@@ -11227,7 +11211,7 @@
           <a:p>
             <a:r>
               <a:rPr lang="en-US" sz="2400" dirty="0"/>
-              <a:t>Usual baseline for comparison: Chain-of-thought.</a:t>
+              <a:t>Usual baseline for comparison: Chain-of-thought</a:t>
             </a:r>
           </a:p>
           <a:p>
@@ -11249,7 +11233,7 @@
             </a:r>
             <a:r>
               <a:rPr lang="en-US" sz="2400" dirty="0"/>
-              <a:t>of these multiple outputs as the final answer.</a:t>
+              <a:t>of these multiple outputs as the final answer</a:t>
             </a:r>
           </a:p>
           <a:p>
@@ -11270,10 +11254,7 @@
               <a:rPr lang="en-US" sz="2000" u="sng" dirty="0"/>
               <a:t>accuracy</a:t>
             </a:r>
-            <a:r>
-              <a:rPr lang="en-US" sz="2000" dirty="0"/>
-              <a:t>.</a:t>
-            </a:r>
+            <a:endParaRPr lang="en-US" sz="2000" dirty="0"/>
           </a:p>
           <a:p>
             <a:pPr lvl="1"/>
@@ -11291,7 +11272,7 @@
             </a:r>
             <a:r>
               <a:rPr lang="en-US" sz="2000" dirty="0"/>
-              <a:t>” in machine learning.</a:t>
+              <a:t>” in machine learning</a:t>
             </a:r>
             <a:endParaRPr lang="en-US" sz="2400" dirty="0"/>
           </a:p>
@@ -11316,21 +11297,12 @@
               </a:rPr>
               <a:t>common arithmetic and common-sense reasoning benchmarks</a:t>
             </a:r>
-            <a:r>
-              <a:rPr lang="en-DE" sz="2400"/>
-              <a:t>.</a:t>
-            </a:r>
-            <a:endParaRPr lang="en-US" sz="2400" b="1" dirty="0">
-              <a:solidFill>
-                <a:schemeClr val="tx2"/>
-              </a:solidFill>
-            </a:endParaRPr>
           </a:p>
           <a:p>
             <a:pPr lvl="1"/>
             <a:r>
               <a:rPr lang="en-US" sz="2000" dirty="0"/>
-              <a:t>Use to improve on tasks that admit a unique correct answer, such as quantitative business questions.</a:t>
+              <a:t>Use to improve on tasks that admit a unique correct answer, such as quantitative business questions</a:t>
             </a:r>
           </a:p>
           <a:p>
@@ -11475,16 +11447,13 @@
               <a:rPr lang="en-US" dirty="0" err="1"/>
               <a:t>CoT</a:t>
             </a:r>
+            <a:endParaRPr lang="en-US" dirty="0"/>
+          </a:p>
+          <a:p>
+            <a:pPr lvl="1"/>
             <a:r>
               <a:rPr lang="en-US" dirty="0"/>
-              <a:t>.</a:t>
-            </a:r>
-          </a:p>
-          <a:p>
-            <a:pPr lvl="1"/>
-            <a:r>
-              <a:rPr lang="en-US" dirty="0"/>
-              <a:t>In practice, generate a small number of paths (e.g. 5-10); in most cases the performance saturates quickly.</a:t>
+              <a:t>In practice, generate a small number of paths (e.g. 5-10); in most cases the performance saturates quickly</a:t>
             </a:r>
           </a:p>
           <a:p>
@@ -11495,7 +11464,7 @@
             </a:r>
             <a:r>
               <a:rPr lang="en-GB" dirty="0"/>
-              <a:t>use self-consistency to generate better supervised data to fine-tune the model, and use the fine-tuned model to get improved accuracy in a single inference run.</a:t>
+              <a:t>use self-consistency to generate better supervised data to fine-tune the model, and use the fine-tuned model to get improved accuracy in a single inference run</a:t>
             </a:r>
             <a:endParaRPr lang="en-US" dirty="0"/>
           </a:p>
@@ -11518,7 +11487,7 @@
             </a:r>
             <a:r>
               <a:rPr lang="en-US" dirty="0"/>
-              <a:t>reasoning.</a:t>
+              <a:t>reasoning</a:t>
             </a:r>
           </a:p>
           <a:p>
@@ -11533,7 +11502,7 @@
             </a:r>
             <a:r>
               <a:rPr lang="en-US" dirty="0"/>
-              <a:t> paths are erroneous, self-consistency marginalization will fail.</a:t>
+              <a:t> paths are erroneous, self-consistency marginalization will fail</a:t>
             </a:r>
           </a:p>
           <a:p>
@@ -13561,20 +13530,11 @@
               </a:rPr>
               <a:t>multiple solutions</a:t>
             </a:r>
-            <a:r>
-              <a:rPr lang="en-DE" sz="2000"/>
-              <a:t>.</a:t>
-            </a:r>
-            <a:endParaRPr lang="en-GB" sz="2000" b="1" dirty="0">
-              <a:solidFill>
-                <a:schemeClr val="tx2"/>
-              </a:solidFill>
-            </a:endParaRPr>
           </a:p>
           <a:p>
             <a:r>
               <a:rPr lang="en-GB" sz="2000" dirty="0"/>
-              <a:t>Similar to problem-solving by humans: evaluate potential solutions before deciding on the most promising one.</a:t>
+              <a:t>Similar to problem-solving by humans: evaluate potential solutions before deciding on the most promising one</a:t>
             </a:r>
           </a:p>
           <a:p>
@@ -13596,7 +13556,7 @@
             </a:r>
             <a:r>
               <a:rPr lang="en-GB" sz="2000" dirty="0"/>
-              <a:t> represent coherent language sequences that serve as intermediate steps toward solving a problem.</a:t>
+              <a:t> represent coherent language sequences that serve as intermediate steps toward solving a problem</a:t>
             </a:r>
           </a:p>
           <a:p>
@@ -15310,7 +15270,7 @@
           <a:p>
             <a:r>
               <a:rPr lang="en-DE" sz="2400"/>
-              <a:t>Tree-of-thoughts prompting generalizes over chain of thought.</a:t>
+              <a:t>Tree-of-thoughts prompting generalizes over chain of thought</a:t>
             </a:r>
           </a:p>
           <a:p>
@@ -15340,7 +15300,7 @@
             </a:r>
             <a:r>
               <a:rPr lang="en-GB" sz="2400" dirty="0"/>
-              <a:t> that serve as intermediate steps for general problem solving with LLMs.</a:t>
+              <a:t> that serve as intermediate steps for general problem solving with LLMs</a:t>
             </a:r>
           </a:p>
           <a:p>
@@ -15355,14 +15315,14 @@
             </a:r>
             <a:r>
               <a:rPr lang="en-GB" sz="2000" dirty="0"/>
-              <a:t> prompting).</a:t>
+              <a:t> prompting)</a:t>
             </a:r>
           </a:p>
           <a:p>
             <a:pPr lvl="1"/>
             <a:r>
               <a:rPr lang="en-GB" sz="2000" dirty="0"/>
-              <a:t>Add tree-branching technique (breadth-first and depth-first search).</a:t>
+              <a:t>Add tree-branching technique (breadth-first and depth-first search)</a:t>
             </a:r>
           </a:p>
           <a:p>
@@ -15381,11 +15341,7 @@
             </a:r>
             <a:r>
               <a:rPr lang="en-GB" sz="2000" dirty="0"/>
-              <a:t>with look-ahead and </a:t>
-            </a:r>
-            <a:r>
-              <a:rPr lang="en-GB" sz="2000"/>
-              <a:t>back-tracking.</a:t>
+              <a:t>with look-ahead and back-tracking</a:t>
             </a:r>
             <a:endParaRPr lang="en-DE" sz="2400"/>
           </a:p>
@@ -15522,7 +15478,7 @@
             </a:r>
             <a:r>
               <a:rPr lang="en-GB" dirty="0"/>
-              <a:t>for tasks that involve important initial decisions, strategies for the future, and exploration of multiple solutions.</a:t>
+              <a:t>for tasks that involve important initial decisions, strategies for the future, and exploration of multiple solutions</a:t>
             </a:r>
             <a:endParaRPr lang="en-DE"/>
           </a:p>
@@ -15553,7 +15509,7 @@
             </a:r>
             <a:r>
               <a:rPr lang="en-DE"/>
-              <a:t>for tasks for which powerful models already excel at.</a:t>
+              <a:t>for tasks for which powerful models already excel at</a:t>
             </a:r>
           </a:p>
           <a:p>
@@ -15586,7 +15542,7 @@
             </a:r>
             <a:r>
               <a:rPr lang="en-DE"/>
-              <a:t>lexibility in tree construction allows users to customize cost-performance trade-offs.</a:t>
+              <a:t>lexibility in tree construction allows users to customize cost-performance trade-offs</a:t>
             </a:r>
           </a:p>
           <a:p>
@@ -19766,13 +19722,13 @@
           <a:p>
             <a:r>
               <a:rPr lang="en-US" dirty="0"/>
-              <a:t>This lesson covered some advanced prompt engineering techniques.</a:t>
+              <a:t>This lesson covered some advanced prompt engineering techniques</a:t>
             </a:r>
           </a:p>
           <a:p>
             <a:r>
               <a:rPr lang="en-US" dirty="0"/>
-              <a:t>In the next lesson, you will explore multimodal solutions using foundation models.</a:t>
+              <a:t>In the next lesson, you will explore multimodal solutions using foundation models</a:t>
             </a:r>
           </a:p>
         </p:txBody>
@@ -20102,7 +20058,7 @@
             </a:r>
             <a:r>
               <a:rPr lang="en-US" sz="2400" dirty="0"/>
-              <a:t> instructions (unambiguous and specific).</a:t>
+              <a:t> instructions (unambiguous and specific)</a:t>
             </a:r>
           </a:p>
           <a:p>
@@ -20133,7 +20089,7 @@
             </a:r>
             <a:r>
               <a:rPr lang="en-US" sz="2400" dirty="0"/>
-              <a:t>on.</a:t>
+              <a:t>on</a:t>
             </a:r>
           </a:p>
           <a:p>
@@ -20169,7 +20125,7 @@
             </a:r>
             <a:r>
               <a:rPr lang="en-US" sz="2400" dirty="0"/>
-              <a:t> to your prompt.</a:t>
+              <a:t> to your prompt</a:t>
             </a:r>
           </a:p>
           <a:p>
@@ -20237,7 +20193,7 @@
             </a:r>
             <a:r>
               <a:rPr lang="en-US" sz="2400" dirty="0"/>
-              <a:t> process which may take a few attempts.</a:t>
+              <a:t> process which may take a few attempts</a:t>
             </a:r>
           </a:p>
           <a:p>
@@ -20481,14 +20437,6 @@
               </a:rPr>
               <a:t>intermediate reasoning steps</a:t>
             </a:r>
-            <a:r>
-              <a:rPr lang="en-US" sz="2400" dirty="0">
-                <a:solidFill>
-                  <a:schemeClr val="accent6"/>
-                </a:solidFill>
-              </a:rPr>
-              <a:t>.</a:t>
-            </a:r>
             <a:endParaRPr lang="en-US" sz="2400" dirty="0"/>
           </a:p>
           <a:p>
@@ -20516,7 +20464,7 @@
             </a:r>
             <a:r>
               <a:rPr lang="en-GB" sz="2400" dirty="0"/>
-              <a:t>into a series of steps.</a:t>
+              <a:t>into a series of steps</a:t>
             </a:r>
           </a:p>
           <a:p>
@@ -20549,7 +20497,7 @@
             </a:r>
             <a:r>
               <a:rPr lang="en-GB" sz="2000" dirty="0"/>
-              <a:t>, …).</a:t>
+              <a:t>, …)</a:t>
             </a:r>
           </a:p>
           <a:p>
@@ -20573,7 +20521,7 @@
             </a:r>
             <a:r>
               <a:rPr lang="en-GB" sz="2000" dirty="0"/>
-              <a:t>which separate out the task’s decomposition and its solving.</a:t>
+              <a:t>which separate out the task’s decomposition and its solving</a:t>
             </a:r>
           </a:p>
         </p:txBody>
@@ -21249,7 +21197,7 @@
                 <a:effectLst/>
                 <a:latin typeface="+mn-lt"/>
               </a:rPr>
-              <a:t>Finding: Appending instructions like </a:t>
+              <a:t>Appending instructions like </a:t>
             </a:r>
             <a:r>
               <a:rPr lang="en-GB" sz="2400" dirty="0">
@@ -22169,16 +22117,6 @@
                 <a:cs typeface="Amazon Ember" panose="020B0603020204020204" pitchFamily="34" charset="0"/>
               </a:rPr>
               <a:t>explanation of reasoning often leads to more accurate results</a:t>
-            </a:r>
-            <a:r>
-              <a:rPr lang="en-GB" sz="2400" dirty="0">
-                <a:solidFill>
-                  <a:schemeClr val="accent6"/>
-                </a:solidFill>
-                <a:ea typeface="Amazon Ember" panose="020B0603020204020204" pitchFamily="34" charset="0"/>
-                <a:cs typeface="Amazon Ember" panose="020B0603020204020204" pitchFamily="34" charset="0"/>
-              </a:rPr>
-              <a:t>.</a:t>
             </a:r>
             <a:endParaRPr lang="en-GB" sz="2400" i="0" dirty="0">
               <a:solidFill>
@@ -22989,7 +22927,7 @@
             </a:r>
             <a:r>
               <a:rPr lang="en-US" sz="2400" dirty="0"/>
-              <a:t>to process the prompt. </a:t>
+              <a:t>to process the prompt </a:t>
             </a:r>
           </a:p>
           <a:p>
@@ -23028,7 +22966,7 @@
             </a:r>
             <a:r>
               <a:rPr lang="en-GB" sz="2000" dirty="0"/>
-              <a:t>in the prompt to break down the question or task.</a:t>
+              <a:t>in the prompt to break down the question or task</a:t>
             </a:r>
             <a:endParaRPr lang="en-GB" sz="2000" dirty="0">
               <a:solidFill>
@@ -23054,7 +22992,7 @@
             </a:r>
             <a:r>
               <a:rPr lang="en-GB" sz="2000" dirty="0"/>
-              <a:t>, composed of question and reasoning chain leading to an answer.</a:t>
+              <a:t>, composed of question and reasoning chain leading to an answer</a:t>
             </a:r>
           </a:p>
           <a:p>
@@ -23072,10 +23010,6 @@
               </a:rPr>
               <a:t>“Let’s think step by step”</a:t>
             </a:r>
-            <a:r>
-              <a:rPr lang="en-GB" sz="2000" dirty="0"/>
-              <a:t>.</a:t>
-            </a:r>
             <a:endParaRPr lang="en-GB" sz="2000" dirty="0">
               <a:solidFill>
                 <a:schemeClr val="tx2"/>
@@ -23118,7 +23052,7 @@
                 </a:solidFill>
                 <a:latin typeface="+mn-lt"/>
               </a:rPr>
-              <a:t>of LLMs on tasks requiring arithmetic, common-sense, and symbolic reasoning.</a:t>
+              <a:t>of LLMs on tasks requiring arithmetic, common-sense, and symbolic reasoning</a:t>
             </a:r>
           </a:p>
           <a:p>
@@ -23147,7 +23081,7 @@
                 </a:solidFill>
                 <a:latin typeface="+mn-lt"/>
               </a:rPr>
-              <a:t>parameters [Wei et al. 2022].</a:t>
+              <a:t>parameters [Wei et al. 2022]</a:t>
             </a:r>
           </a:p>
           <a:p>
